--- a/compito3/myTEDx AWSLambda.pptx
+++ b/compito3/myTEDx AWSLambda.pptx
@@ -10138,7 +10138,7 @@
             </a:pPr>
             <a:r>
               <a:rPr lang="it" sz="1600"/>
-              <a:t>essenziale lambda function, fortemente basata sulla versione presentata a lezione.</a:t>
+              <a:t>essenziale lambda function, basata sulla versione presentata a lezione.</a:t>
             </a:r>
             <a:endParaRPr sz="1600"/>
           </a:p>
